--- a/src/Library/1차 프로젝트 ppt.pptx
+++ b/src/Library/1차 프로젝트 ppt.pptx
@@ -1,16 +1,16 @@
 
 <file path=ppt/presentation.xml><?xml version="1.0" encoding="utf-8"?>
-<p:presentation xmlns:a="http://schemas.openxmlformats.org/drawingml/2006/main" xmlns:r="http://schemas.openxmlformats.org/officeDocument/2006/relationships" xmlns:p="http://schemas.openxmlformats.org/presentationml/2006/main" autoCompressPictures="0">
+<p:presentation xmlns:a="http://schemas.openxmlformats.org/drawingml/2006/main" xmlns:r="http://schemas.openxmlformats.org/officeDocument/2006/relationships" xmlns:p="http://schemas.openxmlformats.org/presentationml/2006/main" xmlns:p14="http://schemas.microsoft.com/office/powerpoint/2010/main" autoCompressPictures="0">
   <p:sldMasterIdLst>
-    <p:sldMasterId id="2147483648" r:id="rId1"/>
+    <p:sldMasterId id="2147483660" r:id="rId13"/>
   </p:sldMasterIdLst>
   <p:sldIdLst>
-    <p:sldId id="261" r:id="rId2"/>
-    <p:sldId id="281" r:id="rId3"/>
-    <p:sldId id="282" r:id="rId4"/>
-    <p:sldId id="271" r:id="rId5"/>
-    <p:sldId id="268" r:id="rId6"/>
-    <p:sldId id="257" r:id="rId7"/>
+    <p:sldId id="261" r:id="rId15"/>
+    <p:sldId id="281" r:id="rId16"/>
+    <p:sldId id="282" r:id="rId17"/>
+    <p:sldId id="271" r:id="rId18"/>
+    <p:sldId id="268" r:id="rId19"/>
+    <p:sldId id="257" r:id="rId20"/>
   </p:sldIdLst>
   <p:sldSz cx="12192000" cy="6858000"/>
   <p:notesSz cx="6858000" cy="9144000"/>
@@ -109,11 +109,7 @@
       </a:defRPr>
     </a:lvl9pPr>
   </p:defaultTextStyle>
-  <p:extLst>
-    <p:ext uri="{EFAFB233-063F-42B5-8137-9DF3F51BA10A}">
-      <p15:sldGuideLst xmlns:p15="http://schemas.microsoft.com/office/powerpoint/2012/main"/>
-    </p:ext>
-  </p:extLst>
+  <p:extLst/>
 </p:presentation>
 </file>
 
@@ -3775,14 +3771,13 @@
 </file>
 
 <file path=ppt/slides/slide3.xml><?xml version="1.0" encoding="utf-8"?>
-<p:sld xmlns:a="http://schemas.openxmlformats.org/drawingml/2006/main" xmlns:r="http://schemas.openxmlformats.org/officeDocument/2006/relationships" xmlns:p="http://schemas.openxmlformats.org/presentationml/2006/main">
+<p:sld xmlns:a="http://schemas.openxmlformats.org/drawingml/2006/main" xmlns:r="http://schemas.openxmlformats.org/officeDocument/2006/relationships" xmlns:p="http://schemas.openxmlformats.org/presentationml/2006/main" xmlns:p14="http://schemas.microsoft.com/office/powerpoint/2010/main">
   <p:cSld>
     <p:bg>
       <p:bgPr>
         <a:solidFill>
           <a:srgbClr val="E9E9E9"/>
         </a:solidFill>
-        <a:effectLst/>
       </p:bgPr>
     </p:bg>
     <p:spTree>
@@ -3857,7 +3852,7 @@
         <p:spPr>
           <a:xfrm>
             <a:off x="1676400" y="330200"/>
-            <a:ext cx="3082895" cy="769441"/>
+            <a:ext cx="3082925" cy="769620"/>
           </a:xfrm>
           <a:prstGeom prst="rect">
             <a:avLst/>
@@ -3898,8 +3893,8 @@
         </p:nvSpPr>
         <p:spPr>
           <a:xfrm>
-            <a:off x="1278428" y="2047946"/>
-            <a:ext cx="1168400" cy="1044000"/>
+            <a:off x="1278255" y="2047875"/>
+            <a:ext cx="1168400" cy="1043940"/>
           </a:xfrm>
           <a:prstGeom prst="rect">
             <a:avLst/>
@@ -3954,8 +3949,8 @@
         </p:nvSpPr>
         <p:spPr>
           <a:xfrm>
-            <a:off x="2688128" y="2047946"/>
-            <a:ext cx="8242300" cy="1044000"/>
+            <a:off x="2687955" y="2047875"/>
+            <a:ext cx="8242300" cy="1043940"/>
           </a:xfrm>
           <a:prstGeom prst="rect">
             <a:avLst/>
@@ -4010,8 +4005,8 @@
         </p:nvSpPr>
         <p:spPr>
           <a:xfrm>
-            <a:off x="1652507" y="2234823"/>
-            <a:ext cx="348172" cy="646331"/>
+            <a:off x="1652270" y="2234565"/>
+            <a:ext cx="347980" cy="646430"/>
           </a:xfrm>
           <a:prstGeom prst="rect">
             <a:avLst/>
@@ -4061,8 +4056,8 @@
         </p:nvSpPr>
         <p:spPr>
           <a:xfrm>
-            <a:off x="2945222" y="2281114"/>
-            <a:ext cx="4596130" cy="584775"/>
+            <a:off x="2945130" y="2280920"/>
+            <a:ext cx="4596130" cy="584835"/>
           </a:xfrm>
           <a:prstGeom prst="rect">
             <a:avLst/>
@@ -4169,8 +4164,8 @@
         </p:nvSpPr>
         <p:spPr>
           <a:xfrm>
-            <a:off x="1278428" y="3367447"/>
-            <a:ext cx="1168400" cy="1044000"/>
+            <a:off x="1278255" y="3367405"/>
+            <a:ext cx="1168400" cy="1043940"/>
           </a:xfrm>
           <a:prstGeom prst="rect">
             <a:avLst/>
@@ -4223,8 +4218,8 @@
         </p:nvSpPr>
         <p:spPr>
           <a:xfrm>
-            <a:off x="2688128" y="3367447"/>
-            <a:ext cx="8242300" cy="1044000"/>
+            <a:off x="2687955" y="3367405"/>
+            <a:ext cx="8242300" cy="1043940"/>
           </a:xfrm>
           <a:prstGeom prst="rect">
             <a:avLst/>
@@ -4277,8 +4272,8 @@
         </p:nvSpPr>
         <p:spPr>
           <a:xfrm>
-            <a:off x="1623067" y="3564662"/>
-            <a:ext cx="428322" cy="646331"/>
+            <a:off x="1623060" y="3564890"/>
+            <a:ext cx="428625" cy="646430"/>
           </a:xfrm>
           <a:prstGeom prst="rect">
             <a:avLst/>
@@ -4345,8 +4340,8 @@
         </p:nvSpPr>
         <p:spPr>
           <a:xfrm>
-            <a:off x="2945222" y="3579352"/>
-            <a:ext cx="6436377" cy="584775"/>
+            <a:off x="2945130" y="3579495"/>
+            <a:ext cx="3789680" cy="584200"/>
           </a:xfrm>
           <a:prstGeom prst="rect">
             <a:avLst/>
@@ -4371,77 +4366,78 @@
           </a:fontRef>
         </p:style>
         <p:txBody>
-          <a:bodyPr wrap="none" rtlCol="0">
+          <a:bodyPr wrap="none" lIns="91440" tIns="45720" rIns="91440" bIns="45720" numCol="1" vert="horz" anchor="t">
             <a:spAutoFit/>
           </a:bodyPr>
           <a:lstStyle/>
           <a:p>
-            <a:r>
-              <a:rPr lang="ko-KR" altLang="en-US" sz="3200" spc="-300" dirty="0">
+            <a:pPr marL="0" indent="0">
+              <a:buFontTx/>
+              <a:buNone/>
+            </a:pPr>
+            <a:r>
+              <a:rPr lang="ko-KR" altLang="en-US" sz="3200" spc="-290">
                 <a:solidFill>
                   <a:schemeClr val="bg1"/>
                 </a:solidFill>
-                <a:latin typeface="Pretendard" panose="02000503000000020004" pitchFamily="50" charset="-127"/>
-                <a:ea typeface="Pretendard" panose="02000503000000020004" pitchFamily="50" charset="-127"/>
-                <a:cs typeface="Pretendard" panose="02000503000000020004" pitchFamily="50" charset="-127"/>
+                <a:latin typeface="Pretendard" charset="0"/>
+                <a:ea typeface="Pretendard" charset="0"/>
+                <a:cs typeface="Pretendard" charset="0"/>
               </a:rPr>
               <a:t>박주영  </a:t>
             </a:r>
             <a:r>
-              <a:rPr lang="en-US" altLang="ko-KR" sz="3200" spc="-300" dirty="0">
+              <a:rPr lang="en-US" altLang="ko-KR" sz="3200" spc="-290">
                 <a:solidFill>
                   <a:schemeClr val="bg1"/>
                 </a:solidFill>
-                <a:latin typeface="Pretendard" panose="02000503000000020004" pitchFamily="50" charset="-127"/>
-                <a:ea typeface="Pretendard" panose="02000503000000020004" pitchFamily="50" charset="-127"/>
-                <a:cs typeface="Pretendard" panose="02000503000000020004" pitchFamily="50" charset="-127"/>
+                <a:latin typeface="Pretendard" charset="0"/>
+                <a:ea typeface="Pretendard" charset="0"/>
+                <a:cs typeface="Pretendard" charset="0"/>
               </a:rPr>
               <a:t>( </a:t>
             </a:r>
             <a:r>
-              <a:rPr lang="ko-KR" altLang="en-US" sz="3200" spc="-300" dirty="0">
+              <a:rPr lang="ko-KR" altLang="en-US" sz="3200" spc="-290">
                 <a:solidFill>
                   <a:schemeClr val="bg1"/>
                 </a:solidFill>
-                <a:latin typeface="Pretendard" panose="02000503000000020004" pitchFamily="50" charset="-127"/>
-                <a:ea typeface="Pretendard" panose="02000503000000020004" pitchFamily="50" charset="-127"/>
-                <a:cs typeface="Pretendard" panose="02000503000000020004" pitchFamily="50" charset="-127"/>
+                <a:latin typeface="Pretendard" charset="0"/>
+                <a:ea typeface="Pretendard" charset="0"/>
+                <a:cs typeface="Pretendard" charset="0"/>
               </a:rPr>
-              <a:t>도서  관리  </a:t>
-            </a:r>
-            <a:r>
-              <a:rPr lang="en-US" altLang="ko-KR" sz="3200" spc="-300" dirty="0">
+              <a:t>도서  관리</a:t>
+            </a:r>
+            <a:r>
+              <a:rPr lang="ko-KR" altLang="en-US" sz="3200" spc="-290">
                 <a:solidFill>
                   <a:schemeClr val="bg1"/>
                 </a:solidFill>
-                <a:latin typeface="Pretendard" panose="02000503000000020004" pitchFamily="50" charset="-127"/>
-                <a:ea typeface="Pretendard" panose="02000503000000020004" pitchFamily="50" charset="-127"/>
-                <a:cs typeface="Pretendard" panose="02000503000000020004" pitchFamily="50" charset="-127"/>
+                <a:latin typeface="Pretendard" charset="0"/>
+                <a:ea typeface="Pretendard" charset="0"/>
+                <a:cs typeface="Pretendard" charset="0"/>
               </a:rPr>
-              <a:t>/  </a:t>
-            </a:r>
-            <a:r>
-              <a:rPr lang="ko-KR" altLang="en-US" sz="3200" spc="-300" dirty="0">
+              <a:t> 담당 </a:t>
+            </a:r>
+            <a:r>
+              <a:rPr lang="en-US" altLang="ko-KR" sz="3200" spc="-290">
                 <a:solidFill>
                   <a:schemeClr val="bg1"/>
                 </a:solidFill>
-                <a:latin typeface="Pretendard" panose="02000503000000020004" pitchFamily="50" charset="-127"/>
-                <a:ea typeface="Pretendard" panose="02000503000000020004" pitchFamily="50" charset="-127"/>
-                <a:cs typeface="Pretendard" panose="02000503000000020004" pitchFamily="50" charset="-127"/>
-              </a:rPr>
-              <a:t>서버  클라이언트  담당 </a:t>
-            </a:r>
-            <a:r>
-              <a:rPr lang="en-US" altLang="ko-KR" sz="3200" spc="-300" dirty="0">
-                <a:solidFill>
-                  <a:schemeClr val="bg1"/>
-                </a:solidFill>
-                <a:latin typeface="Pretendard" panose="02000503000000020004" pitchFamily="50" charset="-127"/>
-                <a:ea typeface="Pretendard" panose="02000503000000020004" pitchFamily="50" charset="-127"/>
-                <a:cs typeface="Pretendard" panose="02000503000000020004" pitchFamily="50" charset="-127"/>
+                <a:latin typeface="Pretendard" charset="0"/>
+                <a:ea typeface="Pretendard" charset="0"/>
+                <a:cs typeface="Pretendard" charset="0"/>
               </a:rPr>
               <a:t>)</a:t>
             </a:r>
+            <a:endParaRPr lang="ko-KR" altLang="en-US" sz="3200">
+              <a:solidFill>
+                <a:schemeClr val="bg1"/>
+              </a:solidFill>
+              <a:latin typeface="Pretendard" charset="0"/>
+              <a:ea typeface="Pretendard" charset="0"/>
+              <a:cs typeface="Pretendard" charset="0"/>
+            </a:endParaRPr>
           </a:p>
         </p:txBody>
       </p:sp>
@@ -4459,8 +4455,8 @@
         </p:nvSpPr>
         <p:spPr>
           <a:xfrm>
-            <a:off x="1278428" y="4686948"/>
-            <a:ext cx="1168400" cy="1044000"/>
+            <a:off x="1278255" y="4686935"/>
+            <a:ext cx="1168400" cy="1043940"/>
           </a:xfrm>
           <a:prstGeom prst="rect">
             <a:avLst/>
@@ -4517,8 +4513,8 @@
         </p:nvSpPr>
         <p:spPr>
           <a:xfrm>
-            <a:off x="2688128" y="4686948"/>
-            <a:ext cx="8242300" cy="1044000"/>
+            <a:off x="2687955" y="4686935"/>
+            <a:ext cx="8242300" cy="1043940"/>
           </a:xfrm>
           <a:prstGeom prst="rect">
             <a:avLst/>
@@ -4575,8 +4571,8 @@
         </p:nvSpPr>
         <p:spPr>
           <a:xfrm>
-            <a:off x="1623067" y="4884163"/>
-            <a:ext cx="428322" cy="646331"/>
+            <a:off x="1623060" y="4884420"/>
+            <a:ext cx="428625" cy="646430"/>
           </a:xfrm>
           <a:prstGeom prst="rect">
             <a:avLst/>
@@ -4632,8 +4628,8 @@
         </p:nvSpPr>
         <p:spPr>
           <a:xfrm>
-            <a:off x="2945222" y="4898853"/>
-            <a:ext cx="6728124" cy="584775"/>
+            <a:off x="2945130" y="4899025"/>
+            <a:ext cx="6727825" cy="584835"/>
           </a:xfrm>
           <a:prstGeom prst="rect">
             <a:avLst/>
@@ -4840,18 +4836,25 @@
   <p:clrMapOvr>
     <a:masterClrMapping/>
   </p:clrMapOvr>
-  <mc:AlternateContent xmlns:mc="http://schemas.openxmlformats.org/markup-compatibility/2006" xmlns:p14="http://schemas.microsoft.com/office/powerpoint/2010/main">
-    <mc:Choice Requires="p14">
-      <p:transition spd="med" p14:dur="700">
+  <mc:AlternateContent xmlns:mc="http://schemas.openxmlformats.org/markup-compatibility/2006">
+    <mc:Choice xmlns:p14="http://schemas.microsoft.com/office/powerpoint/2010/main" Requires="p14">
+      <p:transition spd="slow" p14:dur="700">
         <p:fade/>
       </p:transition>
     </mc:Choice>
-    <mc:Fallback xmlns="">
-      <p:transition spd="med">
+    <mc:Fallback>
+      <p:transition spd="slow">
         <p:fade/>
       </p:transition>
     </mc:Fallback>
   </mc:AlternateContent>
+  <p:timing>
+    <p:tnLst>
+      <p:par>
+        <p:cTn id="1" dur="indefinite" restart="never" nodeType="tmRoot"/>
+      </p:par>
+    </p:tnLst>
+  </p:timing>
 </p:sld>
 </file>
 
